--- a/DsDotNet/src/UnitTest/UnitTest.Model/ImportOfficeExample/Sample/Sub/PressShop.pptx
+++ b/DsDotNet/src/UnitTest/UnitTest.Model/ImportOfficeExample/Sample/Sub/PressShop.pptx
@@ -216,7 +216,7 @@
           <a:p>
             <a:fld id="{DD503887-5801-43A0-AEF9-041E8DDC2558}" type="datetimeFigureOut">
               <a:rPr lang="ko-KR" altLang="en-US" smtClean="0"/>
-              <a:t>2024-07-13</a:t>
+              <a:t>2024-07-17</a:t>
             </a:fld>
             <a:endParaRPr lang="ko-KR" altLang="en-US"/>
           </a:p>
@@ -393,7 +393,7 @@
           <a:p>
             <a:fld id="{95336A0E-57B1-4D4C-BD9B-2F72B5943464}" type="datetimeFigureOut">
               <a:rPr lang="ko-KR" altLang="en-US" smtClean="0"/>
-              <a:t>2024-07-13</a:t>
+              <a:t>2024-07-17</a:t>
             </a:fld>
             <a:endParaRPr lang="ko-KR" altLang="en-US"/>
           </a:p>
@@ -839,321 +839,228 @@
           </a:p>
         </p:txBody>
       </p:sp>
-      <p:grpSp>
-        <p:nvGrpSpPr>
-          <p:cNvPr id="9" name="그룹 8">
+      <p:sp>
+        <p:nvSpPr>
+          <p:cNvPr id="10" name="자유형: 도형 9">
             <a:extLst>
               <a:ext uri="{FF2B5EF4-FFF2-40B4-BE49-F238E27FC236}">
-                <a16:creationId xmlns:a16="http://schemas.microsoft.com/office/drawing/2014/main" id="{EB6FF8E2-165B-49EB-8120-14190F9491BC}"/>
-              </a:ext>
-              <a:ext uri="{C183D7F6-B498-43B3-948B-1728B52AA6E4}">
-                <adec:decorative xmlns:adec="http://schemas.microsoft.com/office/drawing/2017/decorative" val="1"/>
+                <a16:creationId xmlns:a16="http://schemas.microsoft.com/office/drawing/2014/main" id="{79B763A7-EE7D-4306-8306-01E8C86E6350}"/>
               </a:ext>
             </a:extLst>
           </p:cNvPr>
-          <p:cNvGrpSpPr/>
-          <p:nvPr userDrawn="1"/>
-        </p:nvGrpSpPr>
-        <p:grpSpPr>
-          <a:xfrm rot="5400000">
-            <a:off x="10915300" y="5534727"/>
-            <a:ext cx="667802" cy="631474"/>
-            <a:chOff x="10478914" y="1506691"/>
-            <a:chExt cx="667802" cy="631474"/>
+          <p:cNvSpPr>
+            <a:spLocks noChangeAspect="1"/>
+          </p:cNvSpPr>
+          <p:nvPr/>
+        </p:nvSpPr>
+        <p:spPr>
+          <a:xfrm rot="13500000">
+            <a:off x="10979201" y="5598628"/>
+            <a:ext cx="540001" cy="631474"/>
           </a:xfrm>
-        </p:grpSpPr>
-        <p:sp>
-          <p:nvSpPr>
-            <p:cNvPr id="10" name="자유형: 도형 9">
-              <a:extLst>
-                <a:ext uri="{FF2B5EF4-FFF2-40B4-BE49-F238E27FC236}">
-                  <a16:creationId xmlns:a16="http://schemas.microsoft.com/office/drawing/2014/main" id="{79B763A7-EE7D-4306-8306-01E8C86E6350}"/>
-                </a:ext>
-              </a:extLst>
-            </p:cNvPr>
-            <p:cNvSpPr>
-              <a:spLocks noChangeAspect="1"/>
-            </p:cNvSpPr>
-            <p:nvPr/>
-          </p:nvSpPr>
-          <p:spPr>
-            <a:xfrm rot="8100000">
-              <a:off x="10606715" y="1506691"/>
-              <a:ext cx="540001" cy="631474"/>
-            </a:xfrm>
-            <a:custGeom>
+          <a:custGeom>
+            <a:avLst/>
+            <a:gdLst>
+              <a:gd name="connsiteX0" fmla="*/ 540000 w 1080000"/>
+              <a:gd name="connsiteY0" fmla="*/ 0 h 1262947"/>
+              <a:gd name="connsiteX1" fmla="*/ 1080000 w 1080000"/>
+              <a:gd name="connsiteY1" fmla="*/ 931034 h 1262947"/>
+              <a:gd name="connsiteX2" fmla="*/ 1064374 w 1080000"/>
+              <a:gd name="connsiteY2" fmla="*/ 931034 h 1262947"/>
+              <a:gd name="connsiteX3" fmla="*/ 1069029 w 1080000"/>
+              <a:gd name="connsiteY3" fmla="*/ 938533 h 1262947"/>
+              <a:gd name="connsiteX4" fmla="*/ 1080000 w 1080000"/>
+              <a:gd name="connsiteY4" fmla="*/ 992947 h 1262947"/>
+              <a:gd name="connsiteX5" fmla="*/ 540000 w 1080000"/>
+              <a:gd name="connsiteY5" fmla="*/ 1262947 h 1262947"/>
+              <a:gd name="connsiteX6" fmla="*/ 0 w 1080000"/>
+              <a:gd name="connsiteY6" fmla="*/ 992947 h 1262947"/>
+              <a:gd name="connsiteX7" fmla="*/ 10971 w 1080000"/>
+              <a:gd name="connsiteY7" fmla="*/ 938533 h 1262947"/>
+              <a:gd name="connsiteX8" fmla="*/ 15626 w 1080000"/>
+              <a:gd name="connsiteY8" fmla="*/ 931034 h 1262947"/>
+              <a:gd name="connsiteX9" fmla="*/ 0 w 1080000"/>
+              <a:gd name="connsiteY9" fmla="*/ 931034 h 1262947"/>
+              <a:gd name="connsiteX0" fmla="*/ 540000 w 1080000"/>
+              <a:gd name="connsiteY0" fmla="*/ 0 h 1262947"/>
+              <a:gd name="connsiteX1" fmla="*/ 1080000 w 1080000"/>
+              <a:gd name="connsiteY1" fmla="*/ 931034 h 1262947"/>
+              <a:gd name="connsiteX2" fmla="*/ 1064374 w 1080000"/>
+              <a:gd name="connsiteY2" fmla="*/ 931034 h 1262947"/>
+              <a:gd name="connsiteX3" fmla="*/ 1069029 w 1080000"/>
+              <a:gd name="connsiteY3" fmla="*/ 938533 h 1262947"/>
+              <a:gd name="connsiteX4" fmla="*/ 1080000 w 1080000"/>
+              <a:gd name="connsiteY4" fmla="*/ 992947 h 1262947"/>
+              <a:gd name="connsiteX5" fmla="*/ 540000 w 1080000"/>
+              <a:gd name="connsiteY5" fmla="*/ 1262947 h 1262947"/>
+              <a:gd name="connsiteX6" fmla="*/ 0 w 1080000"/>
+              <a:gd name="connsiteY6" fmla="*/ 992947 h 1262947"/>
+              <a:gd name="connsiteX7" fmla="*/ 10971 w 1080000"/>
+              <a:gd name="connsiteY7" fmla="*/ 938533 h 1262947"/>
+              <a:gd name="connsiteX8" fmla="*/ 15626 w 1080000"/>
+              <a:gd name="connsiteY8" fmla="*/ 931034 h 1262947"/>
+              <a:gd name="connsiteX9" fmla="*/ 540000 w 1080000"/>
+              <a:gd name="connsiteY9" fmla="*/ 0 h 1262947"/>
+              <a:gd name="connsiteX0" fmla="*/ 540000 w 1080000"/>
+              <a:gd name="connsiteY0" fmla="*/ 0 h 1262947"/>
+              <a:gd name="connsiteX1" fmla="*/ 1064374 w 1080000"/>
+              <a:gd name="connsiteY1" fmla="*/ 931034 h 1262947"/>
+              <a:gd name="connsiteX2" fmla="*/ 1069029 w 1080000"/>
+              <a:gd name="connsiteY2" fmla="*/ 938533 h 1262947"/>
+              <a:gd name="connsiteX3" fmla="*/ 1080000 w 1080000"/>
+              <a:gd name="connsiteY3" fmla="*/ 992947 h 1262947"/>
+              <a:gd name="connsiteX4" fmla="*/ 540000 w 1080000"/>
+              <a:gd name="connsiteY4" fmla="*/ 1262947 h 1262947"/>
+              <a:gd name="connsiteX5" fmla="*/ 0 w 1080000"/>
+              <a:gd name="connsiteY5" fmla="*/ 992947 h 1262947"/>
+              <a:gd name="connsiteX6" fmla="*/ 10971 w 1080000"/>
+              <a:gd name="connsiteY6" fmla="*/ 938533 h 1262947"/>
+              <a:gd name="connsiteX7" fmla="*/ 15626 w 1080000"/>
+              <a:gd name="connsiteY7" fmla="*/ 931034 h 1262947"/>
+              <a:gd name="connsiteX8" fmla="*/ 540000 w 1080000"/>
+              <a:gd name="connsiteY8" fmla="*/ 0 h 1262947"/>
+            </a:gdLst>
+            <a:ahLst/>
+            <a:cxnLst>
+              <a:cxn ang="0">
+                <a:pos x="connsiteX0" y="connsiteY0"/>
+              </a:cxn>
+              <a:cxn ang="0">
+                <a:pos x="connsiteX1" y="connsiteY1"/>
+              </a:cxn>
+              <a:cxn ang="0">
+                <a:pos x="connsiteX2" y="connsiteY2"/>
+              </a:cxn>
+              <a:cxn ang="0">
+                <a:pos x="connsiteX3" y="connsiteY3"/>
+              </a:cxn>
+              <a:cxn ang="0">
+                <a:pos x="connsiteX4" y="connsiteY4"/>
+              </a:cxn>
+              <a:cxn ang="0">
+                <a:pos x="connsiteX5" y="connsiteY5"/>
+              </a:cxn>
+              <a:cxn ang="0">
+                <a:pos x="connsiteX6" y="connsiteY6"/>
+              </a:cxn>
+              <a:cxn ang="0">
+                <a:pos x="connsiteX7" y="connsiteY7"/>
+              </a:cxn>
+              <a:cxn ang="0">
+                <a:pos x="connsiteX8" y="connsiteY8"/>
+              </a:cxn>
+            </a:cxnLst>
+            <a:rect l="l" t="t" r="r" b="b"/>
+            <a:pathLst>
+              <a:path w="1080000" h="1262947">
+                <a:moveTo>
+                  <a:pt x="540000" y="0"/>
+                </a:moveTo>
+                <a:lnTo>
+                  <a:pt x="1064374" y="931034"/>
+                </a:lnTo>
+                <a:lnTo>
+                  <a:pt x="1069029" y="938533"/>
+                </a:lnTo>
+                <a:cubicBezTo>
+                  <a:pt x="1076223" y="956109"/>
+                  <a:pt x="1080000" y="974307"/>
+                  <a:pt x="1080000" y="992947"/>
+                </a:cubicBezTo>
+                <a:cubicBezTo>
+                  <a:pt x="1080000" y="1142064"/>
+                  <a:pt x="838234" y="1262947"/>
+                  <a:pt x="540000" y="1262947"/>
+                </a:cubicBezTo>
+                <a:cubicBezTo>
+                  <a:pt x="241766" y="1262947"/>
+                  <a:pt x="0" y="1142064"/>
+                  <a:pt x="0" y="992947"/>
+                </a:cubicBezTo>
+                <a:cubicBezTo>
+                  <a:pt x="0" y="974307"/>
+                  <a:pt x="3778" y="956109"/>
+                  <a:pt x="10971" y="938533"/>
+                </a:cubicBezTo>
+                <a:lnTo>
+                  <a:pt x="15626" y="931034"/>
+                </a:lnTo>
+                <a:lnTo>
+                  <a:pt x="540000" y="0"/>
+                </a:lnTo>
+                <a:close/>
+              </a:path>
+            </a:pathLst>
+          </a:custGeom>
+          <a:gradFill>
+            <a:gsLst>
+              <a:gs pos="60000">
+                <a:schemeClr val="bg2">
+                  <a:lumMod val="90000"/>
+                  <a:lumOff val="10000"/>
+                </a:schemeClr>
+              </a:gs>
+              <a:gs pos="30000">
+                <a:schemeClr val="bg2">
+                  <a:lumMod val="90000"/>
+                  <a:lumOff val="10000"/>
+                </a:schemeClr>
+              </a:gs>
+              <a:gs pos="40000">
+                <a:schemeClr val="bg2">
+                  <a:lumMod val="80000"/>
+                  <a:lumOff val="20000"/>
+                </a:schemeClr>
+              </a:gs>
+              <a:gs pos="100000">
+                <a:schemeClr val="bg2"/>
+              </a:gs>
+            </a:gsLst>
+            <a:lin ang="600000" scaled="0"/>
+          </a:gradFill>
+          <a:ln>
+            <a:noFill/>
+          </a:ln>
+          <a:effectLst>
+            <a:innerShdw blurRad="101600" dist="50800" dir="7320000">
+              <a:schemeClr val="accent1">
+                <a:lumMod val="60000"/>
+                <a:lumOff val="40000"/>
+                <a:alpha val="20000"/>
+              </a:schemeClr>
+            </a:innerShdw>
+          </a:effectLst>
+        </p:spPr>
+        <p:style>
+          <a:lnRef idx="2">
+            <a:schemeClr val="accent1">
+              <a:shade val="50000"/>
+            </a:schemeClr>
+          </a:lnRef>
+          <a:fillRef idx="1">
+            <a:schemeClr val="accent1"/>
+          </a:fillRef>
+          <a:effectRef idx="0">
+            <a:schemeClr val="accent1"/>
+          </a:effectRef>
+          <a:fontRef idx="minor">
+            <a:schemeClr val="lt1"/>
+          </a:fontRef>
+        </p:style>
+        <p:txBody>
+          <a:bodyPr rot="0" spcFirstLastPara="0" vertOverflow="overflow" horzOverflow="overflow" vert="horz" wrap="square" lIns="91440" tIns="45720" rIns="91440" bIns="45720" numCol="1" spcCol="0" rtlCol="0" fromWordArt="0" anchor="ctr" anchorCtr="0" forceAA="0" compatLnSpc="1">
+            <a:prstTxWarp prst="textNoShape">
               <a:avLst/>
-              <a:gdLst>
-                <a:gd name="connsiteX0" fmla="*/ 540000 w 1080000"/>
-                <a:gd name="connsiteY0" fmla="*/ 0 h 1262947"/>
-                <a:gd name="connsiteX1" fmla="*/ 1080000 w 1080000"/>
-                <a:gd name="connsiteY1" fmla="*/ 931034 h 1262947"/>
-                <a:gd name="connsiteX2" fmla="*/ 1064374 w 1080000"/>
-                <a:gd name="connsiteY2" fmla="*/ 931034 h 1262947"/>
-                <a:gd name="connsiteX3" fmla="*/ 1069029 w 1080000"/>
-                <a:gd name="connsiteY3" fmla="*/ 938533 h 1262947"/>
-                <a:gd name="connsiteX4" fmla="*/ 1080000 w 1080000"/>
-                <a:gd name="connsiteY4" fmla="*/ 992947 h 1262947"/>
-                <a:gd name="connsiteX5" fmla="*/ 540000 w 1080000"/>
-                <a:gd name="connsiteY5" fmla="*/ 1262947 h 1262947"/>
-                <a:gd name="connsiteX6" fmla="*/ 0 w 1080000"/>
-                <a:gd name="connsiteY6" fmla="*/ 992947 h 1262947"/>
-                <a:gd name="connsiteX7" fmla="*/ 10971 w 1080000"/>
-                <a:gd name="connsiteY7" fmla="*/ 938533 h 1262947"/>
-                <a:gd name="connsiteX8" fmla="*/ 15626 w 1080000"/>
-                <a:gd name="connsiteY8" fmla="*/ 931034 h 1262947"/>
-                <a:gd name="connsiteX9" fmla="*/ 0 w 1080000"/>
-                <a:gd name="connsiteY9" fmla="*/ 931034 h 1262947"/>
-                <a:gd name="connsiteX0" fmla="*/ 540000 w 1080000"/>
-                <a:gd name="connsiteY0" fmla="*/ 0 h 1262947"/>
-                <a:gd name="connsiteX1" fmla="*/ 1080000 w 1080000"/>
-                <a:gd name="connsiteY1" fmla="*/ 931034 h 1262947"/>
-                <a:gd name="connsiteX2" fmla="*/ 1064374 w 1080000"/>
-                <a:gd name="connsiteY2" fmla="*/ 931034 h 1262947"/>
-                <a:gd name="connsiteX3" fmla="*/ 1069029 w 1080000"/>
-                <a:gd name="connsiteY3" fmla="*/ 938533 h 1262947"/>
-                <a:gd name="connsiteX4" fmla="*/ 1080000 w 1080000"/>
-                <a:gd name="connsiteY4" fmla="*/ 992947 h 1262947"/>
-                <a:gd name="connsiteX5" fmla="*/ 540000 w 1080000"/>
-                <a:gd name="connsiteY5" fmla="*/ 1262947 h 1262947"/>
-                <a:gd name="connsiteX6" fmla="*/ 0 w 1080000"/>
-                <a:gd name="connsiteY6" fmla="*/ 992947 h 1262947"/>
-                <a:gd name="connsiteX7" fmla="*/ 10971 w 1080000"/>
-                <a:gd name="connsiteY7" fmla="*/ 938533 h 1262947"/>
-                <a:gd name="connsiteX8" fmla="*/ 15626 w 1080000"/>
-                <a:gd name="connsiteY8" fmla="*/ 931034 h 1262947"/>
-                <a:gd name="connsiteX9" fmla="*/ 540000 w 1080000"/>
-                <a:gd name="connsiteY9" fmla="*/ 0 h 1262947"/>
-                <a:gd name="connsiteX0" fmla="*/ 540000 w 1080000"/>
-                <a:gd name="connsiteY0" fmla="*/ 0 h 1262947"/>
-                <a:gd name="connsiteX1" fmla="*/ 1064374 w 1080000"/>
-                <a:gd name="connsiteY1" fmla="*/ 931034 h 1262947"/>
-                <a:gd name="connsiteX2" fmla="*/ 1069029 w 1080000"/>
-                <a:gd name="connsiteY2" fmla="*/ 938533 h 1262947"/>
-                <a:gd name="connsiteX3" fmla="*/ 1080000 w 1080000"/>
-                <a:gd name="connsiteY3" fmla="*/ 992947 h 1262947"/>
-                <a:gd name="connsiteX4" fmla="*/ 540000 w 1080000"/>
-                <a:gd name="connsiteY4" fmla="*/ 1262947 h 1262947"/>
-                <a:gd name="connsiteX5" fmla="*/ 0 w 1080000"/>
-                <a:gd name="connsiteY5" fmla="*/ 992947 h 1262947"/>
-                <a:gd name="connsiteX6" fmla="*/ 10971 w 1080000"/>
-                <a:gd name="connsiteY6" fmla="*/ 938533 h 1262947"/>
-                <a:gd name="connsiteX7" fmla="*/ 15626 w 1080000"/>
-                <a:gd name="connsiteY7" fmla="*/ 931034 h 1262947"/>
-                <a:gd name="connsiteX8" fmla="*/ 540000 w 1080000"/>
-                <a:gd name="connsiteY8" fmla="*/ 0 h 1262947"/>
-              </a:gdLst>
-              <a:ahLst/>
-              <a:cxnLst>
-                <a:cxn ang="0">
-                  <a:pos x="connsiteX0" y="connsiteY0"/>
-                </a:cxn>
-                <a:cxn ang="0">
-                  <a:pos x="connsiteX1" y="connsiteY1"/>
-                </a:cxn>
-                <a:cxn ang="0">
-                  <a:pos x="connsiteX2" y="connsiteY2"/>
-                </a:cxn>
-                <a:cxn ang="0">
-                  <a:pos x="connsiteX3" y="connsiteY3"/>
-                </a:cxn>
-                <a:cxn ang="0">
-                  <a:pos x="connsiteX4" y="connsiteY4"/>
-                </a:cxn>
-                <a:cxn ang="0">
-                  <a:pos x="connsiteX5" y="connsiteY5"/>
-                </a:cxn>
-                <a:cxn ang="0">
-                  <a:pos x="connsiteX6" y="connsiteY6"/>
-                </a:cxn>
-                <a:cxn ang="0">
-                  <a:pos x="connsiteX7" y="connsiteY7"/>
-                </a:cxn>
-                <a:cxn ang="0">
-                  <a:pos x="connsiteX8" y="connsiteY8"/>
-                </a:cxn>
-              </a:cxnLst>
-              <a:rect l="l" t="t" r="r" b="b"/>
-              <a:pathLst>
-                <a:path w="1080000" h="1262947">
-                  <a:moveTo>
-                    <a:pt x="540000" y="0"/>
-                  </a:moveTo>
-                  <a:lnTo>
-                    <a:pt x="1064374" y="931034"/>
-                  </a:lnTo>
-                  <a:lnTo>
-                    <a:pt x="1069029" y="938533"/>
-                  </a:lnTo>
-                  <a:cubicBezTo>
-                    <a:pt x="1076223" y="956109"/>
-                    <a:pt x="1080000" y="974307"/>
-                    <a:pt x="1080000" y="992947"/>
-                  </a:cubicBezTo>
-                  <a:cubicBezTo>
-                    <a:pt x="1080000" y="1142064"/>
-                    <a:pt x="838234" y="1262947"/>
-                    <a:pt x="540000" y="1262947"/>
-                  </a:cubicBezTo>
-                  <a:cubicBezTo>
-                    <a:pt x="241766" y="1262947"/>
-                    <a:pt x="0" y="1142064"/>
-                    <a:pt x="0" y="992947"/>
-                  </a:cubicBezTo>
-                  <a:cubicBezTo>
-                    <a:pt x="0" y="974307"/>
-                    <a:pt x="3778" y="956109"/>
-                    <a:pt x="10971" y="938533"/>
-                  </a:cubicBezTo>
-                  <a:lnTo>
-                    <a:pt x="15626" y="931034"/>
-                  </a:lnTo>
-                  <a:lnTo>
-                    <a:pt x="540000" y="0"/>
-                  </a:lnTo>
-                  <a:close/>
-                </a:path>
-              </a:pathLst>
-            </a:custGeom>
-            <a:gradFill>
-              <a:gsLst>
-                <a:gs pos="60000">
-                  <a:schemeClr val="bg2">
-                    <a:lumMod val="90000"/>
-                    <a:lumOff val="10000"/>
-                  </a:schemeClr>
-                </a:gs>
-                <a:gs pos="30000">
-                  <a:schemeClr val="bg2">
-                    <a:lumMod val="90000"/>
-                    <a:lumOff val="10000"/>
-                  </a:schemeClr>
-                </a:gs>
-                <a:gs pos="40000">
-                  <a:schemeClr val="bg2">
-                    <a:lumMod val="80000"/>
-                    <a:lumOff val="20000"/>
-                  </a:schemeClr>
-                </a:gs>
-                <a:gs pos="100000">
-                  <a:schemeClr val="bg2"/>
-                </a:gs>
-              </a:gsLst>
-              <a:lin ang="600000" scaled="0"/>
-            </a:gradFill>
-            <a:ln>
-              <a:noFill/>
-            </a:ln>
-            <a:effectLst>
-              <a:innerShdw blurRad="101600" dist="50800" dir="7320000">
-                <a:schemeClr val="accent1">
-                  <a:lumMod val="60000"/>
-                  <a:lumOff val="40000"/>
-                  <a:alpha val="20000"/>
-                </a:schemeClr>
-              </a:innerShdw>
-            </a:effectLst>
-          </p:spPr>
-          <p:style>
-            <a:lnRef idx="2">
-              <a:schemeClr val="accent1">
-                <a:shade val="50000"/>
-              </a:schemeClr>
-            </a:lnRef>
-            <a:fillRef idx="1">
-              <a:schemeClr val="accent1"/>
-            </a:fillRef>
-            <a:effectRef idx="0">
-              <a:schemeClr val="accent1"/>
-            </a:effectRef>
-            <a:fontRef idx="minor">
-              <a:schemeClr val="lt1"/>
-            </a:fontRef>
-          </p:style>
-          <p:txBody>
-            <a:bodyPr rot="0" spcFirstLastPara="0" vertOverflow="overflow" horzOverflow="overflow" vert="horz" wrap="square" lIns="91440" tIns="45720" rIns="91440" bIns="45720" numCol="1" spcCol="0" rtlCol="0" fromWordArt="0" anchor="ctr" anchorCtr="0" forceAA="0" compatLnSpc="1">
-              <a:prstTxWarp prst="textNoShape">
-                <a:avLst/>
-              </a:prstTxWarp>
-              <a:noAutofit/>
-            </a:bodyPr>
-            <a:lstStyle/>
-            <a:p>
-              <a:pPr algn="ctr" rtl="0"/>
-              <a:endParaRPr lang="ko-KR"/>
-            </a:p>
-          </p:txBody>
-        </p:sp>
-        <p:sp>
-          <p:nvSpPr>
-            <p:cNvPr id="11" name="타원 10">
-              <a:extLst>
-                <a:ext uri="{FF2B5EF4-FFF2-40B4-BE49-F238E27FC236}">
-                  <a16:creationId xmlns:a16="http://schemas.microsoft.com/office/drawing/2014/main" id="{4B3A935F-6844-4FCE-B0AE-5492715A58F1}"/>
-                </a:ext>
-              </a:extLst>
-            </p:cNvPr>
-            <p:cNvSpPr/>
-            <p:nvPr/>
-          </p:nvSpPr>
-          <p:spPr>
-            <a:xfrm rot="13500000">
-              <a:off x="10613915" y="1424627"/>
-              <a:ext cx="270000" cy="540001"/>
-            </a:xfrm>
-            <a:prstGeom prst="ellipse">
-              <a:avLst/>
-            </a:prstGeom>
-            <a:solidFill>
-              <a:schemeClr val="bg2">
-                <a:lumMod val="90000"/>
-                <a:lumOff val="10000"/>
-              </a:schemeClr>
-            </a:solidFill>
-            <a:ln>
-              <a:noFill/>
-            </a:ln>
-            <a:effectLst>
-              <a:innerShdw blurRad="1270000" dist="2540000">
-                <a:schemeClr val="accent1">
-                  <a:lumMod val="60000"/>
-                  <a:lumOff val="40000"/>
-                  <a:alpha val="0"/>
-                </a:schemeClr>
-              </a:innerShdw>
-            </a:effectLst>
-          </p:spPr>
-          <p:style>
-            <a:lnRef idx="2">
-              <a:schemeClr val="accent1">
-                <a:shade val="50000"/>
-              </a:schemeClr>
-            </a:lnRef>
-            <a:fillRef idx="1">
-              <a:schemeClr val="accent1"/>
-            </a:fillRef>
-            <a:effectRef idx="0">
-              <a:schemeClr val="accent1"/>
-            </a:effectRef>
-            <a:fontRef idx="minor">
-              <a:schemeClr val="lt1"/>
-            </a:fontRef>
-          </p:style>
-          <p:txBody>
-            <a:bodyPr rot="0" spcFirstLastPara="0" vertOverflow="overflow" horzOverflow="overflow" vert="horz" wrap="square" lIns="91440" tIns="45720" rIns="91440" bIns="45720" numCol="1" spcCol="0" rtlCol="0" fromWordArt="0" anchor="ctr" anchorCtr="0" forceAA="0" compatLnSpc="1">
-              <a:prstTxWarp prst="textNoShape">
-                <a:avLst/>
-              </a:prstTxWarp>
-              <a:noAutofit/>
-            </a:bodyPr>
-            <a:lstStyle/>
-            <a:p>
-              <a:pPr algn="ctr" rtl="0"/>
-              <a:endParaRPr lang="ko-KR"/>
-            </a:p>
-          </p:txBody>
-        </p:sp>
-      </p:grpSp>
+            </a:prstTxWarp>
+            <a:noAutofit/>
+          </a:bodyPr>
+          <a:lstStyle/>
+          <a:p>
+            <a:pPr algn="ctr" rtl="0"/>
+            <a:endParaRPr lang="ko-KR"/>
+          </a:p>
+        </p:txBody>
+      </p:sp>
       <p:sp>
         <p:nvSpPr>
           <p:cNvPr id="3" name="텍스트 개체 틀 2">
